--- a/0.PPT파일/연표_미술사_2018-12-26_가로포맷.pptx
+++ b/0.PPT파일/연표_미술사_2018-12-26_가로포맷.pptx
@@ -305,7 +305,7 @@
           <a:p>
             <a:fld id="{F16E468C-B1CE-4C67-8465-EC8AB722B92C}" type="datetimeFigureOut">
               <a:rPr lang="ko-KR" altLang="en-US" smtClean="0"/>
-              <a:t>2020-05-02</a:t>
+              <a:t>2021-06-08</a:t>
             </a:fld>
             <a:endParaRPr lang="ko-KR" altLang="en-US"/>
           </a:p>
@@ -475,7 +475,7 @@
           <a:p>
             <a:fld id="{F16E468C-B1CE-4C67-8465-EC8AB722B92C}" type="datetimeFigureOut">
               <a:rPr lang="ko-KR" altLang="en-US" smtClean="0"/>
-              <a:t>2020-05-02</a:t>
+              <a:t>2021-06-08</a:t>
             </a:fld>
             <a:endParaRPr lang="ko-KR" altLang="en-US"/>
           </a:p>
@@ -655,7 +655,7 @@
           <a:p>
             <a:fld id="{F16E468C-B1CE-4C67-8465-EC8AB722B92C}" type="datetimeFigureOut">
               <a:rPr lang="ko-KR" altLang="en-US" smtClean="0"/>
-              <a:t>2020-05-02</a:t>
+              <a:t>2021-06-08</a:t>
             </a:fld>
             <a:endParaRPr lang="ko-KR" altLang="en-US"/>
           </a:p>
@@ -825,7 +825,7 @@
           <a:p>
             <a:fld id="{F16E468C-B1CE-4C67-8465-EC8AB722B92C}" type="datetimeFigureOut">
               <a:rPr lang="ko-KR" altLang="en-US" smtClean="0"/>
-              <a:t>2020-05-02</a:t>
+              <a:t>2021-06-08</a:t>
             </a:fld>
             <a:endParaRPr lang="ko-KR" altLang="en-US"/>
           </a:p>
@@ -1071,7 +1071,7 @@
           <a:p>
             <a:fld id="{F16E468C-B1CE-4C67-8465-EC8AB722B92C}" type="datetimeFigureOut">
               <a:rPr lang="ko-KR" altLang="en-US" smtClean="0"/>
-              <a:t>2020-05-02</a:t>
+              <a:t>2021-06-08</a:t>
             </a:fld>
             <a:endParaRPr lang="ko-KR" altLang="en-US"/>
           </a:p>
@@ -1359,7 +1359,7 @@
           <a:p>
             <a:fld id="{F16E468C-B1CE-4C67-8465-EC8AB722B92C}" type="datetimeFigureOut">
               <a:rPr lang="ko-KR" altLang="en-US" smtClean="0"/>
-              <a:t>2020-05-02</a:t>
+              <a:t>2021-06-08</a:t>
             </a:fld>
             <a:endParaRPr lang="ko-KR" altLang="en-US"/>
           </a:p>
@@ -1786,7 +1786,7 @@
           <a:p>
             <a:fld id="{F16E468C-B1CE-4C67-8465-EC8AB722B92C}" type="datetimeFigureOut">
               <a:rPr lang="ko-KR" altLang="en-US" smtClean="0"/>
-              <a:t>2020-05-02</a:t>
+              <a:t>2021-06-08</a:t>
             </a:fld>
             <a:endParaRPr lang="ko-KR" altLang="en-US"/>
           </a:p>
@@ -1904,7 +1904,7 @@
           <a:p>
             <a:fld id="{F16E468C-B1CE-4C67-8465-EC8AB722B92C}" type="datetimeFigureOut">
               <a:rPr lang="ko-KR" altLang="en-US" smtClean="0"/>
-              <a:t>2020-05-02</a:t>
+              <a:t>2021-06-08</a:t>
             </a:fld>
             <a:endParaRPr lang="ko-KR" altLang="en-US"/>
           </a:p>
@@ -1999,7 +1999,7 @@
           <a:p>
             <a:fld id="{F16E468C-B1CE-4C67-8465-EC8AB722B92C}" type="datetimeFigureOut">
               <a:rPr lang="ko-KR" altLang="en-US" smtClean="0"/>
-              <a:t>2020-05-02</a:t>
+              <a:t>2021-06-08</a:t>
             </a:fld>
             <a:endParaRPr lang="ko-KR" altLang="en-US"/>
           </a:p>
@@ -2276,7 +2276,7 @@
           <a:p>
             <a:fld id="{F16E468C-B1CE-4C67-8465-EC8AB722B92C}" type="datetimeFigureOut">
               <a:rPr lang="ko-KR" altLang="en-US" smtClean="0"/>
-              <a:t>2020-05-02</a:t>
+              <a:t>2021-06-08</a:t>
             </a:fld>
             <a:endParaRPr lang="ko-KR" altLang="en-US"/>
           </a:p>
@@ -2529,7 +2529,7 @@
           <a:p>
             <a:fld id="{F16E468C-B1CE-4C67-8465-EC8AB722B92C}" type="datetimeFigureOut">
               <a:rPr lang="ko-KR" altLang="en-US" smtClean="0"/>
-              <a:t>2020-05-02</a:t>
+              <a:t>2021-06-08</a:t>
             </a:fld>
             <a:endParaRPr lang="ko-KR" altLang="en-US"/>
           </a:p>
@@ -2742,7 +2742,7 @@
           <a:p>
             <a:fld id="{F16E468C-B1CE-4C67-8465-EC8AB722B92C}" type="datetimeFigureOut">
               <a:rPr lang="ko-KR" altLang="en-US" smtClean="0"/>
-              <a:t>2020-05-02</a:t>
+              <a:t>2021-06-08</a:t>
             </a:fld>
             <a:endParaRPr lang="ko-KR" altLang="en-US"/>
           </a:p>
@@ -19874,8 +19874,8 @@
         </p:nvSpPr>
         <p:spPr>
           <a:xfrm>
-            <a:off x="930470" y="1888626"/>
-            <a:ext cx="1819977" cy="1092764"/>
+            <a:off x="930470" y="2092242"/>
+            <a:ext cx="1819977" cy="889148"/>
           </a:xfrm>
           <a:prstGeom prst="ellipse">
             <a:avLst/>
@@ -23216,6 +23216,67 @@
           </a:p>
         </p:txBody>
       </p:sp>
+      <p:sp>
+        <p:nvSpPr>
+          <p:cNvPr id="122" name="TextBox 121"/>
+          <p:cNvSpPr txBox="1"/>
+          <p:nvPr/>
+        </p:nvSpPr>
+        <p:spPr>
+          <a:xfrm>
+            <a:off x="2091328" y="2000672"/>
+            <a:ext cx="1535792" cy="360000"/>
+          </a:xfrm>
+          <a:prstGeom prst="rect">
+            <a:avLst/>
+          </a:prstGeom>
+          <a:solidFill>
+            <a:schemeClr val="bg1"/>
+          </a:solidFill>
+          <a:ln>
+            <a:solidFill>
+              <a:schemeClr val="tx1">
+                <a:lumMod val="50000"/>
+                <a:lumOff val="50000"/>
+              </a:schemeClr>
+            </a:solidFill>
+          </a:ln>
+        </p:spPr>
+        <p:txBody>
+          <a:bodyPr wrap="none" lIns="36000" tIns="36000" rIns="36000" bIns="36000" rtlCol="0" anchor="ctr" anchorCtr="0">
+            <a:noAutofit/>
+          </a:bodyPr>
+          <a:lstStyle/>
+          <a:p>
+            <a:pPr algn="ctr">
+              <a:lnSpc>
+                <a:spcPts val="1200"/>
+              </a:lnSpc>
+            </a:pPr>
+            <a:r>
+              <a:rPr lang="ko-KR" altLang="en-US" sz="800" b="1" dirty="0" smtClean="0"/>
+              <a:t>쇼펜하우어 </a:t>
+            </a:r>
+            <a:r>
+              <a:rPr lang="en-US" altLang="ko-KR" sz="800" dirty="0" smtClean="0"/>
+              <a:t>(</a:t>
+            </a:r>
+            <a:r>
+              <a:rPr lang="en-US" altLang="ko-KR" sz="800" dirty="0" smtClean="0"/>
+              <a:t>1788~1860)</a:t>
+            </a:r>
+            <a:endParaRPr lang="en-US" altLang="ko-KR" sz="800" dirty="0" smtClean="0"/>
+          </a:p>
+          <a:p>
+            <a:pPr algn="ctr">
+              <a:lnSpc>
+                <a:spcPts val="1200"/>
+              </a:lnSpc>
+            </a:pPr>
+            <a:endParaRPr lang="en-US" altLang="ko-KR" sz="800" dirty="0" smtClean="0"/>
+          </a:p>
+        </p:txBody>
+      </p:sp>
     </p:spTree>
     <p:extLst>
       <p:ext uri="{BB962C8B-B14F-4D97-AF65-F5344CB8AC3E}">

--- a/0.PPT파일/연표_미술사_2018-12-26_가로포맷.pptx
+++ b/0.PPT파일/연표_미술사_2018-12-26_가로포맷.pptx
@@ -305,7 +305,7 @@
           <a:p>
             <a:fld id="{F16E468C-B1CE-4C67-8465-EC8AB722B92C}" type="datetimeFigureOut">
               <a:rPr lang="ko-KR" altLang="en-US" smtClean="0"/>
-              <a:t>2021-06-08</a:t>
+              <a:t>2021-09-20</a:t>
             </a:fld>
             <a:endParaRPr lang="ko-KR" altLang="en-US"/>
           </a:p>
@@ -475,7 +475,7 @@
           <a:p>
             <a:fld id="{F16E468C-B1CE-4C67-8465-EC8AB722B92C}" type="datetimeFigureOut">
               <a:rPr lang="ko-KR" altLang="en-US" smtClean="0"/>
-              <a:t>2021-06-08</a:t>
+              <a:t>2021-09-20</a:t>
             </a:fld>
             <a:endParaRPr lang="ko-KR" altLang="en-US"/>
           </a:p>
@@ -655,7 +655,7 @@
           <a:p>
             <a:fld id="{F16E468C-B1CE-4C67-8465-EC8AB722B92C}" type="datetimeFigureOut">
               <a:rPr lang="ko-KR" altLang="en-US" smtClean="0"/>
-              <a:t>2021-06-08</a:t>
+              <a:t>2021-09-20</a:t>
             </a:fld>
             <a:endParaRPr lang="ko-KR" altLang="en-US"/>
           </a:p>
@@ -825,7 +825,7 @@
           <a:p>
             <a:fld id="{F16E468C-B1CE-4C67-8465-EC8AB722B92C}" type="datetimeFigureOut">
               <a:rPr lang="ko-KR" altLang="en-US" smtClean="0"/>
-              <a:t>2021-06-08</a:t>
+              <a:t>2021-09-20</a:t>
             </a:fld>
             <a:endParaRPr lang="ko-KR" altLang="en-US"/>
           </a:p>
@@ -1071,7 +1071,7 @@
           <a:p>
             <a:fld id="{F16E468C-B1CE-4C67-8465-EC8AB722B92C}" type="datetimeFigureOut">
               <a:rPr lang="ko-KR" altLang="en-US" smtClean="0"/>
-              <a:t>2021-06-08</a:t>
+              <a:t>2021-09-20</a:t>
             </a:fld>
             <a:endParaRPr lang="ko-KR" altLang="en-US"/>
           </a:p>
@@ -1359,7 +1359,7 @@
           <a:p>
             <a:fld id="{F16E468C-B1CE-4C67-8465-EC8AB722B92C}" type="datetimeFigureOut">
               <a:rPr lang="ko-KR" altLang="en-US" smtClean="0"/>
-              <a:t>2021-06-08</a:t>
+              <a:t>2021-09-20</a:t>
             </a:fld>
             <a:endParaRPr lang="ko-KR" altLang="en-US"/>
           </a:p>
@@ -1786,7 +1786,7 @@
           <a:p>
             <a:fld id="{F16E468C-B1CE-4C67-8465-EC8AB722B92C}" type="datetimeFigureOut">
               <a:rPr lang="ko-KR" altLang="en-US" smtClean="0"/>
-              <a:t>2021-06-08</a:t>
+              <a:t>2021-09-20</a:t>
             </a:fld>
             <a:endParaRPr lang="ko-KR" altLang="en-US"/>
           </a:p>
@@ -1904,7 +1904,7 @@
           <a:p>
             <a:fld id="{F16E468C-B1CE-4C67-8465-EC8AB722B92C}" type="datetimeFigureOut">
               <a:rPr lang="ko-KR" altLang="en-US" smtClean="0"/>
-              <a:t>2021-06-08</a:t>
+              <a:t>2021-09-20</a:t>
             </a:fld>
             <a:endParaRPr lang="ko-KR" altLang="en-US"/>
           </a:p>
@@ -1999,7 +1999,7 @@
           <a:p>
             <a:fld id="{F16E468C-B1CE-4C67-8465-EC8AB722B92C}" type="datetimeFigureOut">
               <a:rPr lang="ko-KR" altLang="en-US" smtClean="0"/>
-              <a:t>2021-06-08</a:t>
+              <a:t>2021-09-20</a:t>
             </a:fld>
             <a:endParaRPr lang="ko-KR" altLang="en-US"/>
           </a:p>
@@ -2276,7 +2276,7 @@
           <a:p>
             <a:fld id="{F16E468C-B1CE-4C67-8465-EC8AB722B92C}" type="datetimeFigureOut">
               <a:rPr lang="ko-KR" altLang="en-US" smtClean="0"/>
-              <a:t>2021-06-08</a:t>
+              <a:t>2021-09-20</a:t>
             </a:fld>
             <a:endParaRPr lang="ko-KR" altLang="en-US"/>
           </a:p>
@@ -2529,7 +2529,7 @@
           <a:p>
             <a:fld id="{F16E468C-B1CE-4C67-8465-EC8AB722B92C}" type="datetimeFigureOut">
               <a:rPr lang="ko-KR" altLang="en-US" smtClean="0"/>
-              <a:t>2021-06-08</a:t>
+              <a:t>2021-09-20</a:t>
             </a:fld>
             <a:endParaRPr lang="ko-KR" altLang="en-US"/>
           </a:p>
@@ -2742,7 +2742,7 @@
           <a:p>
             <a:fld id="{F16E468C-B1CE-4C67-8465-EC8AB722B92C}" type="datetimeFigureOut">
               <a:rPr lang="ko-KR" altLang="en-US" smtClean="0"/>
-              <a:t>2021-06-08</a:t>
+              <a:t>2021-09-20</a:t>
             </a:fld>
             <a:endParaRPr lang="ko-KR" altLang="en-US"/>
           </a:p>
@@ -23259,13 +23259,8 @@
             </a:r>
             <a:r>
               <a:rPr lang="en-US" altLang="ko-KR" sz="800" dirty="0" smtClean="0"/>
-              <a:t>(</a:t>
-            </a:r>
-            <a:r>
-              <a:rPr lang="en-US" altLang="ko-KR" sz="800" dirty="0" smtClean="0"/>
-              <a:t>1788~1860)</a:t>
-            </a:r>
-            <a:endParaRPr lang="en-US" altLang="ko-KR" sz="800" dirty="0" smtClean="0"/>
+              <a:t>(1788~1860)</a:t>
+            </a:r>
           </a:p>
           <a:p>
             <a:pPr algn="ctr">
@@ -23273,6 +23268,79 @@
                 <a:spcPts val="1200"/>
               </a:lnSpc>
             </a:pPr>
+            <a:endParaRPr lang="en-US" altLang="ko-KR" sz="800" dirty="0" smtClean="0"/>
+          </a:p>
+        </p:txBody>
+      </p:sp>
+      <p:sp>
+        <p:nvSpPr>
+          <p:cNvPr id="123" name="TextBox 122"/>
+          <p:cNvSpPr txBox="1"/>
+          <p:nvPr/>
+        </p:nvSpPr>
+        <p:spPr>
+          <a:xfrm>
+            <a:off x="4293096" y="1352600"/>
+            <a:ext cx="1417487" cy="360000"/>
+          </a:xfrm>
+          <a:prstGeom prst="rect">
+            <a:avLst/>
+          </a:prstGeom>
+          <a:solidFill>
+            <a:schemeClr val="bg1"/>
+          </a:solidFill>
+          <a:ln>
+            <a:solidFill>
+              <a:schemeClr val="tx1">
+                <a:lumMod val="50000"/>
+                <a:lumOff val="50000"/>
+              </a:schemeClr>
+            </a:solidFill>
+          </a:ln>
+        </p:spPr>
+        <p:txBody>
+          <a:bodyPr wrap="none" lIns="36000" tIns="36000" rIns="36000" bIns="36000" rtlCol="0" anchor="ctr" anchorCtr="0">
+            <a:noAutofit/>
+          </a:bodyPr>
+          <a:lstStyle/>
+          <a:p>
+            <a:pPr algn="ctr">
+              <a:lnSpc>
+                <a:spcPts val="1200"/>
+              </a:lnSpc>
+            </a:pPr>
+            <a:r>
+              <a:rPr lang="ko-KR" altLang="en-US" sz="800" b="1" dirty="0" smtClean="0"/>
+              <a:t>하이데거 </a:t>
+            </a:r>
+            <a:r>
+              <a:rPr lang="en-US" altLang="ko-KR" sz="800" dirty="0" smtClean="0"/>
+              <a:t>(</a:t>
+            </a:r>
+            <a:r>
+              <a:rPr lang="en-US" altLang="ko-KR" sz="800" dirty="0" smtClean="0"/>
+              <a:t>1889~1976)</a:t>
+            </a:r>
+            <a:endParaRPr lang="en-US" altLang="ko-KR" sz="800" dirty="0" smtClean="0"/>
+          </a:p>
+          <a:p>
+            <a:pPr algn="ctr">
+              <a:lnSpc>
+                <a:spcPts val="1200"/>
+              </a:lnSpc>
+            </a:pPr>
+            <a:r>
+              <a:rPr lang="en-US" altLang="ko-KR" sz="800" dirty="0" smtClean="0"/>
+              <a:t>『</a:t>
+            </a:r>
+            <a:r>
+              <a:rPr lang="ko-KR" altLang="en-US" sz="800" dirty="0" smtClean="0"/>
+              <a:t>존재와 시간</a:t>
+            </a:r>
+            <a:r>
+              <a:rPr lang="en-US" altLang="ko-KR" sz="800" dirty="0" smtClean="0"/>
+              <a:t>』</a:t>
+            </a:r>
             <a:endParaRPr lang="en-US" altLang="ko-KR" sz="800" dirty="0" smtClean="0"/>
           </a:p>
         </p:txBody>
